--- a/slides/Aspen_poster_v3.pptx
+++ b/slides/Aspen_poster_v3.pptx
@@ -6462,7 +6462,7 @@
               <a:graphicData uri="http://schemas.openxmlformats.org/presentationml/2006/ole">
                 <mc:AlternateContent xmlns:mc="http://schemas.openxmlformats.org/markup-compatibility/2006">
                   <mc:Choice xmlns:v="urn:schemas-microsoft-com:vml" Requires="v">
-                    <p:oleObj spid="_x0000_s1550" name="Equation" r:id="rId4" imgW="1879600" imgH="1282700" progId="Equation.3">
+                    <p:oleObj spid="_x0000_s1556" name="Equation" r:id="rId4" imgW="1879600" imgH="1282700" progId="Equation.3">
                       <p:embed/>
                     </p:oleObj>
                   </mc:Choice>
@@ -7267,7 +7267,7 @@
           <a:graphicData uri="http://schemas.openxmlformats.org/presentationml/2006/ole">
             <mc:AlternateContent xmlns:mc="http://schemas.openxmlformats.org/markup-compatibility/2006">
               <mc:Choice xmlns:v="urn:schemas-microsoft-com:vml" Requires="v">
-                <p:oleObj spid="_x0000_s1551" name="Equation" r:id="rId6" imgW="1485900" imgH="317500" progId="Equation.3">
+                <p:oleObj spid="_x0000_s1557" name="Equation" r:id="rId6" imgW="1485900" imgH="317500" progId="Equation.3">
                   <p:embed/>
                 </p:oleObj>
               </mc:Choice>
@@ -7758,41 +7758,6 @@
           </a:p>
         </p:txBody>
       </p:sp>
-      <p:pic>
-        <p:nvPicPr>
-          <p:cNvPr id="20" name="Picture 19" descr="Mcrit_vs_a_3Myrs.pdf"/>
-          <p:cNvPicPr>
-            <a:picLocks noChangeAspect="1"/>
-          </p:cNvPicPr>
-          <p:nvPr/>
-        </p:nvPicPr>
-        <p:blipFill>
-          <a:blip r:embed="rId8">
-            <a:extLst>
-              <a:ext uri="{28A0092B-C50C-407E-A947-70E740481C1C}">
-                <a14:useLocalDpi xmlns:a14="http://schemas.microsoft.com/office/drawing/2010/main" val="0"/>
-              </a:ext>
-            </a:extLst>
-          </a:blip>
-          <a:stretch>
-            <a:fillRect/>
-          </a:stretch>
-        </p:blipFill>
-        <p:spPr>
-          <a:xfrm>
-            <a:off x="15594806" y="31079280"/>
-            <a:ext cx="12725400" cy="5414533"/>
-          </a:xfrm>
-          <a:prstGeom prst="rect">
-            <a:avLst/>
-          </a:prstGeom>
-          <a:ln w="63500">
-            <a:solidFill>
-              <a:srgbClr val="0000FF"/>
-            </a:solidFill>
-          </a:ln>
-        </p:spPr>
-      </p:pic>
       <p:sp>
         <p:nvSpPr>
           <p:cNvPr id="21" name="Rounded Rectangle 20"/>
@@ -8692,12 +8657,12 @@
           <a:graphicData uri="http://schemas.openxmlformats.org/presentationml/2006/ole">
             <mc:AlternateContent xmlns:mc="http://schemas.openxmlformats.org/markup-compatibility/2006">
               <mc:Choice xmlns:v="urn:schemas-microsoft-com:vml" Requires="v">
-                <p:oleObj spid="_x0000_s1552" name="Equation" r:id="rId9" imgW="1778000" imgH="177800" progId="Equation.3">
+                <p:oleObj spid="_x0000_s1558" name="Equation" r:id="rId8" imgW="1778000" imgH="177800" progId="Equation.3">
                   <p:embed/>
                 </p:oleObj>
               </mc:Choice>
               <mc:Fallback>
-                <p:oleObj name="Equation" r:id="rId9" imgW="1778000" imgH="177800" progId="Equation.3">
+                <p:oleObj name="Equation" r:id="rId8" imgW="1778000" imgH="177800" progId="Equation.3">
                   <p:embed/>
                   <p:pic>
                     <p:nvPicPr>
@@ -8708,7 +8673,7 @@
                       <p:nvPr/>
                     </p:nvPicPr>
                     <p:blipFill>
-                      <a:blip r:embed="rId10"/>
+                      <a:blip r:embed="rId9"/>
                       <a:srcRect/>
                       <a:stretch>
                         <a:fillRect/>
@@ -8923,42 +8888,18 @@
                   <a:srgbClr val="FFFFFF"/>
                 </a:solidFill>
               </a:rPr>
-              <a:t>. In this case, </a:t>
-            </a:r>
-            <a:r>
-              <a:rPr lang="en-US" sz="2400" smtClean="0">
+              <a:t>. In this case, runaway gas accretion is initiated after </a:t>
+            </a:r>
+            <a:r>
+              <a:rPr lang="en-US" sz="2400" i="1" dirty="0" smtClean="0">
                 <a:solidFill>
                   <a:srgbClr val="FFFFFF"/>
                 </a:solidFill>
               </a:rPr>
-              <a:t>runaway gas </a:t>
+              <a:t>T~</a:t>
             </a:r>
             <a:r>
               <a:rPr lang="en-US" sz="2400" dirty="0" smtClean="0">
-                <a:solidFill>
-                  <a:srgbClr val="FFFFFF"/>
-                </a:solidFill>
-              </a:rPr>
-              <a:t>accretion is initiated </a:t>
-            </a:r>
-            <a:r>
-              <a:rPr lang="en-US" sz="2400" smtClean="0">
-                <a:solidFill>
-                  <a:srgbClr val="FFFFFF"/>
-                </a:solidFill>
-              </a:rPr>
-              <a:t>after </a:t>
-            </a:r>
-            <a:r>
-              <a:rPr lang="en-US" sz="2400" i="1" smtClean="0">
-                <a:solidFill>
-                  <a:srgbClr val="FFFFFF"/>
-                </a:solidFill>
-              </a:rPr>
-              <a:t>T~</a:t>
-            </a:r>
-            <a:r>
-              <a:rPr lang="en-US" sz="2400" smtClean="0">
                 <a:solidFill>
                   <a:srgbClr val="FFFFFF"/>
                 </a:solidFill>
@@ -9400,7 +9341,7 @@
           <p:nvPr/>
         </p:nvPicPr>
         <p:blipFill>
-          <a:blip r:embed="rId11">
+          <a:blip r:embed="rId10">
             <a:extLst>
               <a:ext uri="{28A0092B-C50C-407E-A947-70E740481C1C}">
                 <a14:useLocalDpi xmlns:a14="http://schemas.microsoft.com/office/drawing/2010/main" val="0"/>
@@ -9430,11 +9371,11 @@
           <p:nvPr/>
         </p:nvPicPr>
         <p:blipFill>
-          <a:blip r:embed="rId12">
+          <a:blip r:embed="rId11">
             <a:extLst>
               <a:ext uri="{BEBA8EAE-BF5A-486C-A8C5-ECC9F3942E4B}">
                 <a14:imgProps xmlns:a14="http://schemas.microsoft.com/office/drawing/2010/main">
-                  <a14:imgLayer r:embed="rId13">
+                  <a14:imgLayer r:embed="rId12">
                     <a14:imgEffect>
                       <a14:backgroundRemoval t="10000" b="90000" l="10000" r="90000"/>
                     </a14:imgEffect>
@@ -9525,11 +9466,11 @@
             <p:nvPr/>
           </p:nvPicPr>
           <p:blipFill rotWithShape="1">
-            <a:blip r:embed="rId14">
+            <a:blip r:embed="rId13">
               <a:extLst>
                 <a:ext uri="{BEBA8EAE-BF5A-486C-A8C5-ECC9F3942E4B}">
                   <a14:imgProps xmlns:a14="http://schemas.microsoft.com/office/drawing/2010/main">
-                    <a14:imgLayer r:embed="rId15">
+                    <a14:imgLayer r:embed="rId14">
                       <a14:imgEffect>
                         <a14:backgroundRemoval t="0" b="98551" l="10000" r="90000">
                           <a14:foregroundMark x1="36667" y1="19807" x2="36667" y2="19807"/>
@@ -9577,7 +9518,7 @@
           <p:nvPr/>
         </p:nvPicPr>
         <p:blipFill>
-          <a:blip r:embed="rId16">
+          <a:blip r:embed="rId15">
             <a:extLst>
               <a:ext uri="{28A0092B-C50C-407E-A947-70E740481C1C}">
                 <a14:useLocalDpi xmlns:a14="http://schemas.microsoft.com/office/drawing/2010/main" val="0"/>
@@ -9605,41 +9546,6 @@
       </p:pic>
       <p:pic>
         <p:nvPicPr>
-          <p:cNvPr id="10" name="Picture 9" descr="Lt_profiles.pdf"/>
-          <p:cNvPicPr>
-            <a:picLocks noChangeAspect="1"/>
-          </p:cNvPicPr>
-          <p:nvPr/>
-        </p:nvPicPr>
-        <p:blipFill>
-          <a:blip r:embed="rId17">
-            <a:extLst>
-              <a:ext uri="{28A0092B-C50C-407E-A947-70E740481C1C}">
-                <a14:useLocalDpi xmlns:a14="http://schemas.microsoft.com/office/drawing/2010/main" val="0"/>
-              </a:ext>
-            </a:extLst>
-          </a:blip>
-          <a:stretch>
-            <a:fillRect/>
-          </a:stretch>
-        </p:blipFill>
-        <p:spPr>
-          <a:xfrm>
-            <a:off x="2107406" y="30774480"/>
-            <a:ext cx="11963400" cy="6441831"/>
-          </a:xfrm>
-          <a:prstGeom prst="rect">
-            <a:avLst/>
-          </a:prstGeom>
-          <a:ln w="63500">
-            <a:solidFill>
-              <a:srgbClr val="0000FF"/>
-            </a:solidFill>
-          </a:ln>
-        </p:spPr>
-      </p:pic>
-      <p:pic>
-        <p:nvPicPr>
           <p:cNvPr id="11" name="Picture 10" descr="cumul_coolingtime_vs_Matm_10au_mu235.pdf"/>
           <p:cNvPicPr>
             <a:picLocks noChangeAspect="1"/>
@@ -9647,7 +9553,7 @@
           <p:nvPr/>
         </p:nvPicPr>
         <p:blipFill>
-          <a:blip r:embed="rId18">
+          <a:blip r:embed="rId16">
             <a:extLst>
               <a:ext uri="{28A0092B-C50C-407E-A947-70E740481C1C}">
                 <a14:useLocalDpi xmlns:a14="http://schemas.microsoft.com/office/drawing/2010/main" val="0"/>
@@ -9682,7 +9588,7 @@
           <p:nvPr/>
         </p:nvPicPr>
         <p:blipFill>
-          <a:blip r:embed="rId19">
+          <a:blip r:embed="rId17">
             <a:extLst>
               <a:ext uri="{28A0092B-C50C-407E-A947-70E740481C1C}">
                 <a14:useLocalDpi xmlns:a14="http://schemas.microsoft.com/office/drawing/2010/main" val="0"/>
@@ -9712,7 +9618,7 @@
           <p:nvPr/>
         </p:nvPicPr>
         <p:blipFill>
-          <a:blip r:embed="rId20">
+          <a:blip r:embed="rId18">
             <a:extLst>
               <a:ext uri="{28A0092B-C50C-407E-A947-70E740481C1C}">
                 <a14:useLocalDpi xmlns:a14="http://schemas.microsoft.com/office/drawing/2010/main" val="0"/>
@@ -9727,6 +9633,76 @@
           <a:xfrm>
             <a:off x="15442406" y="9286081"/>
             <a:ext cx="7467600" cy="4978400"/>
+          </a:xfrm>
+          <a:prstGeom prst="rect">
+            <a:avLst/>
+          </a:prstGeom>
+          <a:ln w="63500">
+            <a:solidFill>
+              <a:srgbClr val="0000FF"/>
+            </a:solidFill>
+          </a:ln>
+        </p:spPr>
+      </p:pic>
+      <p:pic>
+        <p:nvPicPr>
+          <p:cNvPr id="16" name="Picture 15" descr="Mcrit_vs_a_3Myrs (1).pdf"/>
+          <p:cNvPicPr>
+            <a:picLocks noChangeAspect="1"/>
+          </p:cNvPicPr>
+          <p:nvPr/>
+        </p:nvPicPr>
+        <p:blipFill>
+          <a:blip r:embed="rId19">
+            <a:extLst>
+              <a:ext uri="{28A0092B-C50C-407E-A947-70E740481C1C}">
+                <a14:useLocalDpi xmlns:a14="http://schemas.microsoft.com/office/drawing/2010/main" val="0"/>
+              </a:ext>
+            </a:extLst>
+          </a:blip>
+          <a:stretch>
+            <a:fillRect/>
+          </a:stretch>
+        </p:blipFill>
+        <p:spPr>
+          <a:xfrm>
+            <a:off x="15594806" y="31079281"/>
+            <a:ext cx="12801600" cy="5446956"/>
+          </a:xfrm>
+          <a:prstGeom prst="rect">
+            <a:avLst/>
+          </a:prstGeom>
+          <a:ln w="63500">
+            <a:solidFill>
+              <a:srgbClr val="0000FF"/>
+            </a:solidFill>
+          </a:ln>
+        </p:spPr>
+      </p:pic>
+      <p:pic>
+        <p:nvPicPr>
+          <p:cNvPr id="17" name="Picture 16" descr="Lt_profiles_v2.pdf"/>
+          <p:cNvPicPr>
+            <a:picLocks noChangeAspect="1"/>
+          </p:cNvPicPr>
+          <p:nvPr/>
+        </p:nvPicPr>
+        <p:blipFill>
+          <a:blip r:embed="rId20">
+            <a:extLst>
+              <a:ext uri="{28A0092B-C50C-407E-A947-70E740481C1C}">
+                <a14:useLocalDpi xmlns:a14="http://schemas.microsoft.com/office/drawing/2010/main" val="0"/>
+              </a:ext>
+            </a:extLst>
+          </a:blip>
+          <a:stretch>
+            <a:fillRect/>
+          </a:stretch>
+        </p:blipFill>
+        <p:spPr>
+          <a:xfrm>
+            <a:off x="2107406" y="30774481"/>
+            <a:ext cx="11963400" cy="6441831"/>
           </a:xfrm>
           <a:prstGeom prst="rect">
             <a:avLst/>

--- a/slides/Aspen_poster_v3.pptx
+++ b/slides/Aspen_poster_v3.pptx
@@ -225,7 +225,7 @@
           <a:p>
             <a:fld id="{3359D107-6C47-E441-88A8-1AC6DD998D50}" type="datetimeFigureOut">
               <a:rPr lang="en-US" smtClean="0"/>
-              <a:t>2/2/13</a:t>
+              <a:t>2/7/13</a:t>
             </a:fld>
             <a:endParaRPr lang="en-US"/>
           </a:p>
@@ -1300,7 +1300,7 @@
               <a:pPr>
                 <a:defRPr/>
               </a:pPr>
-              <a:t>2/2/13</a:t>
+              <a:t>2/7/13</a:t>
             </a:fld>
             <a:endParaRPr lang="en-US"/>
           </a:p>
@@ -1492,7 +1492,7 @@
               <a:pPr>
                 <a:defRPr/>
               </a:pPr>
-              <a:t>2/2/13</a:t>
+              <a:t>2/7/13</a:t>
             </a:fld>
             <a:endParaRPr lang="en-US"/>
           </a:p>
@@ -1694,7 +1694,7 @@
               <a:pPr>
                 <a:defRPr/>
               </a:pPr>
-              <a:t>2/2/13</a:t>
+              <a:t>2/7/13</a:t>
             </a:fld>
             <a:endParaRPr lang="en-US"/>
           </a:p>
@@ -1886,7 +1886,7 @@
               <a:pPr>
                 <a:defRPr/>
               </a:pPr>
-              <a:t>2/2/13</a:t>
+              <a:t>2/7/13</a:t>
             </a:fld>
             <a:endParaRPr lang="en-US"/>
           </a:p>
@@ -2154,7 +2154,7 @@
               <a:pPr>
                 <a:defRPr/>
               </a:pPr>
-              <a:t>2/2/13</a:t>
+              <a:t>2/7/13</a:t>
             </a:fld>
             <a:endParaRPr lang="en-US"/>
           </a:p>
@@ -2464,7 +2464,7 @@
               <a:pPr>
                 <a:defRPr/>
               </a:pPr>
-              <a:t>2/2/13</a:t>
+              <a:t>2/7/13</a:t>
             </a:fld>
             <a:endParaRPr lang="en-US"/>
           </a:p>
@@ -2908,7 +2908,7 @@
               <a:pPr>
                 <a:defRPr/>
               </a:pPr>
-              <a:t>2/2/13</a:t>
+              <a:t>2/7/13</a:t>
             </a:fld>
             <a:endParaRPr lang="en-US"/>
           </a:p>
@@ -3048,7 +3048,7 @@
               <a:pPr>
                 <a:defRPr/>
               </a:pPr>
-              <a:t>2/2/13</a:t>
+              <a:t>2/7/13</a:t>
             </a:fld>
             <a:endParaRPr lang="en-US"/>
           </a:p>
@@ -3165,7 +3165,7 @@
               <a:pPr>
                 <a:defRPr/>
               </a:pPr>
-              <a:t>2/2/13</a:t>
+              <a:t>2/7/13</a:t>
             </a:fld>
             <a:endParaRPr lang="en-US"/>
           </a:p>
@@ -3464,7 +3464,7 @@
               <a:pPr>
                 <a:defRPr/>
               </a:pPr>
-              <a:t>2/2/13</a:t>
+              <a:t>2/7/13</a:t>
             </a:fld>
             <a:endParaRPr lang="en-US"/>
           </a:p>
@@ -3742,7 +3742,7 @@
               <a:pPr>
                 <a:defRPr/>
               </a:pPr>
-              <a:t>2/2/13</a:t>
+              <a:t>2/7/13</a:t>
             </a:fld>
             <a:endParaRPr lang="en-US"/>
           </a:p>
@@ -3998,7 +3998,7 @@
               <a:pPr>
                 <a:defRPr/>
               </a:pPr>
-              <a:t>2/2/13</a:t>
+              <a:t>2/7/13</a:t>
             </a:fld>
             <a:endParaRPr lang="en-US"/>
           </a:p>
@@ -6462,7 +6462,7 @@
               <a:graphicData uri="http://schemas.openxmlformats.org/presentationml/2006/ole">
                 <mc:AlternateContent xmlns:mc="http://schemas.openxmlformats.org/markup-compatibility/2006">
                   <mc:Choice xmlns:v="urn:schemas-microsoft-com:vml" Requires="v">
-                    <p:oleObj spid="_x0000_s1556" name="Equation" r:id="rId4" imgW="1879600" imgH="1282700" progId="Equation.3">
+                    <p:oleObj spid="_x0000_s1609" name="Equation" r:id="rId4" imgW="1879600" imgH="1282700" progId="Equation.3">
                       <p:embed/>
                     </p:oleObj>
                   </mc:Choice>
@@ -7254,7 +7254,7 @@
           <p:nvPr>
             <p:extLst>
               <p:ext uri="{D42A27DB-BD31-4B8C-83A1-F6EECF244321}">
-                <p14:modId xmlns:p14="http://schemas.microsoft.com/office/powerpoint/2010/main" val="2322821414"/>
+                <p14:modId xmlns:p14="http://schemas.microsoft.com/office/powerpoint/2010/main" val="1489896482"/>
               </p:ext>
             </p:extLst>
           </p:nvPr>
@@ -7267,7 +7267,7 @@
           <a:graphicData uri="http://schemas.openxmlformats.org/presentationml/2006/ole">
             <mc:AlternateContent xmlns:mc="http://schemas.openxmlformats.org/markup-compatibility/2006">
               <mc:Choice xmlns:v="urn:schemas-microsoft-com:vml" Requires="v">
-                <p:oleObj spid="_x0000_s1557" name="Equation" r:id="rId6" imgW="1485900" imgH="317500" progId="Equation.3">
+                <p:oleObj spid="_x0000_s1610" name="Equation" r:id="rId6" imgW="1485900" imgH="317500" progId="Equation.3">
                   <p:embed/>
                 </p:oleObj>
               </mc:Choice>
@@ -7435,7 +7435,7 @@
         <p:spPr>
           <a:xfrm>
             <a:off x="15442406" y="23230681"/>
-            <a:ext cx="13335000" cy="7848301"/>
+            <a:ext cx="13335000" cy="8217632"/>
           </a:xfrm>
           <a:prstGeom prst="rect">
             <a:avLst/>
@@ -7459,36 +7459,6 @@
                 </a:solidFill>
               </a:rPr>
               <a:t>As the atmosphere mass becomes roughly the same as the core mass, runaway accretion commences. As such, the timescale on which the atmosphere evolves is given by the time that it takes to reach the mass doubling.</a:t>
-            </a:r>
-          </a:p>
-          <a:p>
-            <a:pPr marL="342900" indent="-342900">
-              <a:buFont typeface="Arial"/>
-              <a:buChar char="•"/>
-            </a:pPr>
-            <a:r>
-              <a:rPr lang="en-US" sz="2400" dirty="0" smtClean="0">
-                <a:solidFill>
-                  <a:srgbClr val="FFFFFF"/>
-                </a:solidFill>
-              </a:rPr>
-              <a:t>We define this mass as the </a:t>
-            </a:r>
-            <a:r>
-              <a:rPr lang="en-US" sz="2400" i="1" dirty="0" smtClean="0">
-                <a:solidFill>
-                  <a:srgbClr val="FFFFFF"/>
-                </a:solidFill>
-              </a:rPr>
-              <a:t>critical core mass</a:t>
-            </a:r>
-            <a:r>
-              <a:rPr lang="en-US" sz="2400" dirty="0" smtClean="0">
-                <a:solidFill>
-                  <a:srgbClr val="FFFFFF"/>
-                </a:solidFill>
-              </a:rPr>
-              <a:t>.</a:t>
             </a:r>
           </a:p>
           <a:p>
@@ -7507,6 +7477,17 @@
               <a:buFont typeface="Arial"/>
               <a:buChar char="•"/>
             </a:pPr>
+            <a:endParaRPr lang="en-US" sz="2400" dirty="0">
+              <a:solidFill>
+                <a:srgbClr val="FFFFFF"/>
+              </a:solidFill>
+            </a:endParaRPr>
+          </a:p>
+          <a:p>
+            <a:pPr marL="342900" indent="-342900">
+              <a:buFont typeface="Arial"/>
+              <a:buChar char="•"/>
+            </a:pPr>
             <a:endParaRPr lang="en-US" sz="2400" dirty="0" smtClean="0">
               <a:solidFill>
                 <a:srgbClr val="FFFFFF"/>
@@ -7672,8 +7653,38 @@
                   <a:srgbClr val="FFFFFF"/>
                 </a:solidFill>
               </a:rPr>
-              <a:t> disk (typically of the order of few million years).</a:t>
-            </a:r>
+              <a:t> disk (typically of the order of few million years)</a:t>
+            </a:r>
+            <a:r>
+              <a:rPr lang="en-US" sz="2400" dirty="0">
+                <a:solidFill>
+                  <a:srgbClr val="FFFFFF"/>
+                </a:solidFill>
+              </a:rPr>
+              <a:t>. We define this mass as the </a:t>
+            </a:r>
+            <a:r>
+              <a:rPr lang="en-US" sz="2400" i="1" dirty="0">
+                <a:solidFill>
+                  <a:srgbClr val="FFFFFF"/>
+                </a:solidFill>
+              </a:rPr>
+              <a:t>critical core mass</a:t>
+            </a:r>
+            <a:r>
+              <a:rPr lang="en-US" sz="2400" dirty="0">
+                <a:solidFill>
+                  <a:srgbClr val="FFFFFF"/>
+                </a:solidFill>
+              </a:rPr>
+              <a:t>.</a:t>
+            </a:r>
+          </a:p>
+          <a:p>
+            <a:pPr marL="342900" indent="-342900">
+              <a:buFont typeface="Arial"/>
+              <a:buChar char="•"/>
+            </a:pPr>
             <a:endParaRPr lang="en-US" sz="2400" dirty="0">
               <a:solidFill>
                 <a:srgbClr val="FFFFFF"/>
@@ -7690,8 +7701,8 @@
         </p:nvSpPr>
         <p:spPr>
           <a:xfrm>
-            <a:off x="25500806" y="25669081"/>
-            <a:ext cx="3200400" cy="3046988"/>
+            <a:off x="25958006" y="25669081"/>
+            <a:ext cx="2971800" cy="3416320"/>
           </a:xfrm>
           <a:prstGeom prst="rect">
             <a:avLst/>
@@ -7710,7 +7721,7 @@
                   <a:schemeClr val="bg1"/>
                 </a:solidFill>
               </a:rPr>
-              <a:t>Fig. 4: Time evolution as a function of atmosphere mass for a range of core masses. The circles mark the time when the atmosphere becomes ‘critical’.</a:t>
+              <a:t>Fig. 4: Time evolution as a function of atmosphere mass for a range of core masses. The circles mark the time when runaway accretion is initiated.</a:t>
             </a:r>
             <a:endParaRPr lang="en-US" sz="2400" dirty="0">
               <a:solidFill>
@@ -8644,25 +8655,25 @@
           <p:nvPr>
             <p:extLst>
               <p:ext uri="{D42A27DB-BD31-4B8C-83A1-F6EECF244321}">
-                <p14:modId xmlns:p14="http://schemas.microsoft.com/office/powerpoint/2010/main" val="3387974855"/>
+                <p14:modId xmlns:p14="http://schemas.microsoft.com/office/powerpoint/2010/main" val="2689164490"/>
               </p:ext>
             </p:extLst>
           </p:nvPr>
         </p:nvGraphicFramePr>
         <p:xfrm>
-          <a:off x="21345525" y="20715288"/>
-          <a:ext cx="5691188" cy="571500"/>
+          <a:off x="20634325" y="20715288"/>
+          <a:ext cx="7113588" cy="571500"/>
         </p:xfrm>
         <a:graphic>
           <a:graphicData uri="http://schemas.openxmlformats.org/presentationml/2006/ole">
             <mc:AlternateContent xmlns:mc="http://schemas.openxmlformats.org/markup-compatibility/2006">
               <mc:Choice xmlns:v="urn:schemas-microsoft-com:vml" Requires="v">
-                <p:oleObj spid="_x0000_s1558" name="Equation" r:id="rId8" imgW="1778000" imgH="177800" progId="Equation.3">
+                <p:oleObj spid="_x0000_s1611" name="Equation" r:id="rId8" imgW="2222500" imgH="177800" progId="Equation.3">
                   <p:embed/>
                 </p:oleObj>
               </mc:Choice>
               <mc:Fallback>
-                <p:oleObj name="Equation" r:id="rId8" imgW="1778000" imgH="177800" progId="Equation.3">
+                <p:oleObj name="Equation" r:id="rId8" imgW="2222500" imgH="177800" progId="Equation.3">
                   <p:embed/>
                   <p:pic>
                     <p:nvPicPr>
@@ -8681,8 +8692,8 @@
                     </p:blipFill>
                     <p:spPr bwMode="auto">
                       <a:xfrm>
-                        <a:off x="21345525" y="20715288"/>
-                        <a:ext cx="5691188" cy="571500"/>
+                        <a:off x="20634325" y="20715288"/>
+                        <a:ext cx="7113588" cy="571500"/>
                       </a:xfrm>
                       <a:prstGeom prst="rect">
                         <a:avLst/>
@@ -8844,8 +8855,8 @@
         </p:nvSpPr>
         <p:spPr>
           <a:xfrm>
-            <a:off x="22986206" y="9209881"/>
-            <a:ext cx="6172200" cy="5262979"/>
+            <a:off x="22757606" y="9209881"/>
+            <a:ext cx="6400800" cy="5262979"/>
           </a:xfrm>
           <a:prstGeom prst="rect">
             <a:avLst/>
@@ -8864,7 +8875,7 @@
                   <a:srgbClr val="FFFFFF"/>
                 </a:solidFill>
               </a:rPr>
-              <a:t>Fig. 1: For Kelvin-Helmholtz contraction to dominate the atmosphere growth, the maximum </a:t>
+              <a:t>Fig. 1: For KH contraction to dominate envelope growth, the maximum </a:t>
             </a:r>
             <a:r>
               <a:rPr lang="en-US" sz="2400" dirty="0" err="1" smtClean="0">
@@ -8880,7 +8891,15 @@
                   <a:srgbClr val="FFFFFF"/>
                 </a:solidFill>
               </a:rPr>
-              <a:t> accretion rate during the gas contraction phase (in red) has to be ~3 orders of magnitude lower than the accretion rate of the atmosphere (in blue) =&gt; our model assumes that the fastest way to form a planet is to grow the core first, then let the atmosphere cool</a:t>
+              <a:t> accretion rate during the gas contraction phase (in red) has to be ~3 orders of magnitude lower than the accretion rate of the atmosphere (in blue). In this case, runaway gas accretion is initiated after </a:t>
+            </a:r>
+            <a:r>
+              <a:rPr lang="en-US" sz="2400" i="1" dirty="0" smtClean="0">
+                <a:solidFill>
+                  <a:srgbClr val="FFFFFF"/>
+                </a:solidFill>
+              </a:rPr>
+              <a:t>T~</a:t>
             </a:r>
             <a:r>
               <a:rPr lang="en-US" sz="2400" dirty="0" smtClean="0">
@@ -8888,7 +8907,71 @@
                   <a:srgbClr val="FFFFFF"/>
                 </a:solidFill>
               </a:rPr>
-              <a:t>. In this case, runaway gas accretion is initiated after </a:t>
+              <a:t>1.2 </a:t>
+            </a:r>
+            <a:r>
+              <a:rPr lang="en-US" sz="2400" dirty="0" err="1" smtClean="0">
+                <a:solidFill>
+                  <a:srgbClr val="FFFFFF"/>
+                </a:solidFill>
+              </a:rPr>
+              <a:t>Myrs</a:t>
+            </a:r>
+            <a:r>
+              <a:rPr lang="en-US" sz="2400" dirty="0" smtClean="0">
+                <a:solidFill>
+                  <a:srgbClr val="FFFFFF"/>
+                </a:solidFill>
+              </a:rPr>
+              <a:t>. For comparison, we plot (in green) the </a:t>
+            </a:r>
+            <a:r>
+              <a:rPr lang="en-US" sz="2400" dirty="0" err="1" smtClean="0">
+                <a:solidFill>
+                  <a:srgbClr val="FFFFFF"/>
+                </a:solidFill>
+              </a:rPr>
+              <a:t>planetesimal</a:t>
+            </a:r>
+            <a:r>
+              <a:rPr lang="en-US" sz="2400" dirty="0" smtClean="0">
+                <a:solidFill>
+                  <a:srgbClr val="FFFFFF"/>
+                </a:solidFill>
+              </a:rPr>
+              <a:t> accretion rate necessary to grow a core on the same time scale, as well as a frequently involved </a:t>
+            </a:r>
+            <a:r>
+              <a:rPr lang="en-US" sz="2400" dirty="0" err="1" smtClean="0">
+                <a:solidFill>
+                  <a:srgbClr val="FFFFFF"/>
+                </a:solidFill>
+              </a:rPr>
+              <a:t>planetesimal</a:t>
+            </a:r>
+            <a:r>
+              <a:rPr lang="en-US" sz="2400" dirty="0" smtClean="0">
+                <a:solidFill>
+                  <a:srgbClr val="FFFFFF"/>
+                </a:solidFill>
+              </a:rPr>
+              <a:t> accretion rate:  (</a:t>
+            </a:r>
+            <a:r>
+              <a:rPr lang="en-US" sz="2400" i="1" dirty="0" err="1" smtClean="0">
+                <a:solidFill>
+                  <a:srgbClr val="FFFFFF"/>
+                </a:solidFill>
+              </a:rPr>
+              <a:t>v</a:t>
+            </a:r>
+            <a:r>
+              <a:rPr lang="en-US" sz="2400" i="1" baseline="-25000" dirty="0" err="1" smtClean="0">
+                <a:solidFill>
+                  <a:srgbClr val="FFFFFF"/>
+                </a:solidFill>
+              </a:rPr>
+              <a:t>disp</a:t>
             </a:r>
             <a:r>
               <a:rPr lang="en-US" sz="2400" i="1" dirty="0" smtClean="0">
@@ -8896,7 +8979,23 @@
                   <a:srgbClr val="FFFFFF"/>
                 </a:solidFill>
               </a:rPr>
-              <a:t>T~</a:t>
+              <a:t> = </a:t>
+            </a:r>
+            <a:r>
+              <a:rPr lang="en-US" sz="2400" i="1" dirty="0" err="1" smtClean="0">
+                <a:solidFill>
+                  <a:srgbClr val="FFFFFF"/>
+                </a:solidFill>
+              </a:rPr>
+              <a:t>v</a:t>
+            </a:r>
+            <a:r>
+              <a:rPr lang="en-US" sz="2400" i="1" baseline="-25000" dirty="0" err="1" smtClean="0">
+                <a:solidFill>
+                  <a:srgbClr val="FFFFFF"/>
+                </a:solidFill>
+              </a:rPr>
+              <a:t>Hill</a:t>
             </a:r>
             <a:r>
               <a:rPr lang="en-US" sz="2400" dirty="0" smtClean="0">
@@ -8904,15 +9003,55 @@
                   <a:srgbClr val="FFFFFF"/>
                 </a:solidFill>
               </a:rPr>
-              <a:t>1.2 </a:t>
-            </a:r>
-            <a:r>
-              <a:rPr lang="en-US" sz="2400" dirty="0" err="1" smtClean="0">
+              <a:t>, in cyan). </a:t>
+            </a:r>
+            <a:r>
+              <a:rPr lang="en-US" sz="2400" i="1" dirty="0" err="1" smtClean="0">
                 <a:solidFill>
                   <a:srgbClr val="FFFFFF"/>
                 </a:solidFill>
               </a:rPr>
-              <a:t>Myrs</a:t>
+              <a:t>M</a:t>
+            </a:r>
+            <a:r>
+              <a:rPr lang="en-US" sz="2400" i="1" baseline="-25000" dirty="0" err="1" smtClean="0">
+                <a:solidFill>
+                  <a:srgbClr val="FFFFFF"/>
+                </a:solidFill>
+              </a:rPr>
+              <a:t>c,typical</a:t>
+            </a:r>
+            <a:r>
+              <a:rPr lang="en-US" sz="2400" i="1" dirty="0" smtClean="0">
+                <a:solidFill>
+                  <a:srgbClr val="FFFFFF"/>
+                </a:solidFill>
+              </a:rPr>
+              <a:t>&lt; </a:t>
+            </a:r>
+            <a:r>
+              <a:rPr lang="en-US" sz="2400" i="1" dirty="0" err="1" smtClean="0">
+                <a:solidFill>
+                  <a:srgbClr val="FFFFFF"/>
+                </a:solidFill>
+              </a:rPr>
+              <a:t>M</a:t>
+            </a:r>
+            <a:r>
+              <a:rPr lang="en-US" sz="2400" i="1" baseline="-25000" dirty="0" err="1" smtClean="0">
+                <a:solidFill>
+                  <a:srgbClr val="FFFFFF"/>
+                </a:solidFill>
+              </a:rPr>
+              <a:t>atm</a:t>
+            </a:r>
+            <a:r>
+              <a:rPr lang="en-US" sz="2400" i="1" dirty="0" smtClean="0">
+                <a:solidFill>
+                  <a:srgbClr val="FFFFFF"/>
+                </a:solidFill>
+              </a:rPr>
+              <a:t> </a:t>
             </a:r>
             <a:r>
               <a:rPr lang="en-US" sz="2400" dirty="0" smtClean="0">
@@ -8920,7 +9059,15 @@
                   <a:srgbClr val="FFFFFF"/>
                 </a:solidFill>
               </a:rPr>
-              <a:t>. </a:t>
+              <a:t>=&gt; it is faster to </a:t>
+            </a:r>
+            <a:r>
+              <a:rPr lang="en-US" sz="2400" dirty="0">
+                <a:solidFill>
+                  <a:srgbClr val="FFFFFF"/>
+                </a:solidFill>
+              </a:rPr>
+              <a:t>form a </a:t>
             </a:r>
             <a:r>
               <a:rPr lang="en-US" sz="2400" dirty="0" smtClean="0">
@@ -8928,15 +9075,15 @@
                   <a:srgbClr val="FFFFFF"/>
                 </a:solidFill>
               </a:rPr>
-              <a:t>For comparison, we also plot (in green) the </a:t>
-            </a:r>
-            <a:r>
-              <a:rPr lang="en-US" sz="2400" dirty="0" err="1" smtClean="0">
+              <a:t>planet by growing the </a:t>
+            </a:r>
+            <a:r>
+              <a:rPr lang="en-US" sz="2400" dirty="0">
                 <a:solidFill>
                   <a:srgbClr val="FFFFFF"/>
                 </a:solidFill>
               </a:rPr>
-              <a:t>planetesimal</a:t>
+              <a:t>core first, then </a:t>
             </a:r>
             <a:r>
               <a:rPr lang="en-US" sz="2400" dirty="0" smtClean="0">
@@ -8944,21 +9091,16 @@
                   <a:srgbClr val="FFFFFF"/>
                 </a:solidFill>
               </a:rPr>
-              <a:t> accretion rate necessary to grow a core on </a:t>
-            </a:r>
-            <a:r>
-              <a:rPr lang="en-US" sz="2400" dirty="0" smtClean="0">
+              <a:t>letting </a:t>
+            </a:r>
+            <a:r>
+              <a:rPr lang="en-US" sz="2400" dirty="0">
                 <a:solidFill>
                   <a:srgbClr val="FFFFFF"/>
                 </a:solidFill>
               </a:rPr>
-              <a:t>the same time scale.</a:t>
-            </a:r>
-            <a:endParaRPr lang="en-US" sz="2400" dirty="0">
-              <a:solidFill>
-                <a:srgbClr val="FFFFFF"/>
-              </a:solidFill>
-            </a:endParaRPr>
+              <a:t>the atmosphere cool. </a:t>
+            </a:r>
           </a:p>
         </p:txBody>
       </p:sp>
@@ -9160,8 +9302,8 @@
         </p:nvSpPr>
         <p:spPr>
           <a:xfrm>
-            <a:off x="17576006" y="38775481"/>
-            <a:ext cx="11430000" cy="2677656"/>
+            <a:off x="17576006" y="38699281"/>
+            <a:ext cx="11430000" cy="3046988"/>
           </a:xfrm>
           <a:prstGeom prst="rect">
             <a:avLst/>
@@ -9179,28 +9321,68 @@
               <a:buChar char="•"/>
             </a:pPr>
             <a:r>
+              <a:rPr lang="en-US" sz="2400" dirty="0">
+                <a:solidFill>
+                  <a:srgbClr val="FFFFFF"/>
+                </a:solidFill>
+              </a:rPr>
+              <a:t>We find that the critical core mass to form a giant planet before the dissipation of the </a:t>
+            </a:r>
+            <a:r>
+              <a:rPr lang="en-US" sz="2400" dirty="0" err="1">
+                <a:solidFill>
+                  <a:srgbClr val="FFFFFF"/>
+                </a:solidFill>
+              </a:rPr>
+              <a:t>protoplanetary</a:t>
+            </a:r>
+            <a:r>
+              <a:rPr lang="en-US" sz="2400" dirty="0">
+                <a:solidFill>
+                  <a:srgbClr val="FFFFFF"/>
+                </a:solidFill>
+              </a:rPr>
+              <a:t> disk is smaller than typical values of the critical core mass when </a:t>
+            </a:r>
+            <a:r>
+              <a:rPr lang="en-US" sz="2400" dirty="0" err="1">
+                <a:solidFill>
+                  <a:srgbClr val="FFFFFF"/>
+                </a:solidFill>
+              </a:rPr>
+              <a:t>planetesimal</a:t>
+            </a:r>
+            <a:r>
+              <a:rPr lang="en-US" sz="2400" dirty="0">
+                <a:solidFill>
+                  <a:srgbClr val="FFFFFF"/>
+                </a:solidFill>
+              </a:rPr>
+              <a:t> accretion dominates the atmosphere growth (e.g., </a:t>
+            </a:r>
+            <a:r>
+              <a:rPr lang="en-US" sz="2400" dirty="0" err="1">
+                <a:solidFill>
+                  <a:srgbClr val="FFFFFF"/>
+                </a:solidFill>
+              </a:rPr>
+              <a:t>Rafikov</a:t>
+            </a:r>
+            <a:r>
+              <a:rPr lang="en-US" sz="2400" dirty="0">
+                <a:solidFill>
+                  <a:srgbClr val="FFFFFF"/>
+                </a:solidFill>
+              </a:rPr>
+              <a:t> 2006)</a:t>
+            </a:r>
+            <a:r>
               <a:rPr lang="en-US" sz="2400" dirty="0" smtClean="0">
                 <a:solidFill>
                   <a:srgbClr val="FFFFFF"/>
                 </a:solidFill>
               </a:rPr>
-              <a:t>The minimum core mass necessary to form a giant planet is smaller for planets forming further out in the </a:t>
-            </a:r>
-            <a:r>
-              <a:rPr lang="en-US" sz="2400" dirty="0" err="1" smtClean="0">
-                <a:solidFill>
-                  <a:srgbClr val="FFFFFF"/>
-                </a:solidFill>
-              </a:rPr>
-              <a:t>protoplanetary</a:t>
-            </a:r>
-            <a:r>
-              <a:rPr lang="en-US" sz="2400" dirty="0" smtClean="0">
-                <a:solidFill>
-                  <a:srgbClr val="FFFFFF"/>
-                </a:solidFill>
-              </a:rPr>
-              <a:t> disk.</a:t>
+              <a:t>. Growing the core first, then reducing the core accretion rate, results in a more effective atmospheric growth. </a:t>
             </a:r>
           </a:p>
           <a:p>
@@ -9214,15 +9396,15 @@
                   <a:srgbClr val="FFFFFF"/>
                 </a:solidFill>
               </a:rPr>
-              <a:t>We </a:t>
-            </a:r>
-            <a:r>
-              <a:rPr lang="en-US" sz="2400" dirty="0">
+              <a:t>The minimum core mass necessary to form a giant planet is smaller for planets forming further out in the </a:t>
+            </a:r>
+            <a:r>
+              <a:rPr lang="en-US" sz="2400" dirty="0" err="1" smtClean="0">
                 <a:solidFill>
                   <a:srgbClr val="FFFFFF"/>
                 </a:solidFill>
               </a:rPr>
-              <a:t>find that the </a:t>
+              <a:t>protoplanetary</a:t>
             </a:r>
             <a:r>
               <a:rPr lang="en-US" sz="2400" dirty="0" smtClean="0">
@@ -9230,63 +9412,7 @@
                   <a:srgbClr val="FFFFFF"/>
                 </a:solidFill>
               </a:rPr>
-              <a:t>critical </a:t>
-            </a:r>
-            <a:r>
-              <a:rPr lang="en-US" sz="2400" dirty="0">
-                <a:solidFill>
-                  <a:srgbClr val="FFFFFF"/>
-                </a:solidFill>
-              </a:rPr>
-              <a:t>core mass to form a giant planet before the dissipation of the </a:t>
-            </a:r>
-            <a:r>
-              <a:rPr lang="en-US" sz="2400" dirty="0" err="1">
-                <a:solidFill>
-                  <a:srgbClr val="FFFFFF"/>
-                </a:solidFill>
-              </a:rPr>
-              <a:t>protoplanetary</a:t>
-            </a:r>
-            <a:r>
-              <a:rPr lang="en-US" sz="2400" dirty="0">
-                <a:solidFill>
-                  <a:srgbClr val="FFFFFF"/>
-                </a:solidFill>
-              </a:rPr>
-              <a:t> disk is smaller than typical values of the critical core mass when </a:t>
-            </a:r>
-            <a:r>
-              <a:rPr lang="en-US" sz="2400" dirty="0" err="1">
-                <a:solidFill>
-                  <a:srgbClr val="FFFFFF"/>
-                </a:solidFill>
-              </a:rPr>
-              <a:t>planetesimal</a:t>
-            </a:r>
-            <a:r>
-              <a:rPr lang="en-US" sz="2400" dirty="0">
-                <a:solidFill>
-                  <a:srgbClr val="FFFFFF"/>
-                </a:solidFill>
-              </a:rPr>
-              <a:t> accretion dominates the atmosphere growth (e.g., </a:t>
-            </a:r>
-            <a:r>
-              <a:rPr lang="en-US" sz="2400" dirty="0" err="1">
-                <a:solidFill>
-                  <a:srgbClr val="FFFFFF"/>
-                </a:solidFill>
-              </a:rPr>
-              <a:t>Rafikov</a:t>
-            </a:r>
-            <a:r>
-              <a:rPr lang="en-US" sz="2400" dirty="0">
-                <a:solidFill>
-                  <a:srgbClr val="FFFFFF"/>
-                </a:solidFill>
-              </a:rPr>
-              <a:t> 2006).</a:t>
+              <a:t> disk.</a:t>
             </a:r>
           </a:p>
           <a:p>
@@ -9566,8 +9692,8 @@
         </p:blipFill>
         <p:spPr>
           <a:xfrm>
-            <a:off x="15594806" y="24907081"/>
-            <a:ext cx="9818336" cy="4876800"/>
+            <a:off x="15594805" y="24602281"/>
+            <a:ext cx="10278571" cy="5105400"/>
           </a:xfrm>
           <a:prstGeom prst="rect">
             <a:avLst/>
@@ -9611,7 +9737,7 @@
       </p:pic>
       <p:pic>
         <p:nvPicPr>
-          <p:cNvPr id="15" name="Picture 14" descr="acc_rates_poster.pdf"/>
+          <p:cNvPr id="16" name="Picture 15" descr="Mcrit_vs_a_3Myrs (1).pdf"/>
           <p:cNvPicPr>
             <a:picLocks noChangeAspect="1"/>
           </p:cNvPicPr>
@@ -9619,41 +9745,6 @@
         </p:nvPicPr>
         <p:blipFill>
           <a:blip r:embed="rId18">
-            <a:extLst>
-              <a:ext uri="{28A0092B-C50C-407E-A947-70E740481C1C}">
-                <a14:useLocalDpi xmlns:a14="http://schemas.microsoft.com/office/drawing/2010/main" val="0"/>
-              </a:ext>
-            </a:extLst>
-          </a:blip>
-          <a:stretch>
-            <a:fillRect/>
-          </a:stretch>
-        </p:blipFill>
-        <p:spPr>
-          <a:xfrm>
-            <a:off x="15442406" y="9286081"/>
-            <a:ext cx="7467600" cy="4978400"/>
-          </a:xfrm>
-          <a:prstGeom prst="rect">
-            <a:avLst/>
-          </a:prstGeom>
-          <a:ln w="63500">
-            <a:solidFill>
-              <a:srgbClr val="0000FF"/>
-            </a:solidFill>
-          </a:ln>
-        </p:spPr>
-      </p:pic>
-      <p:pic>
-        <p:nvPicPr>
-          <p:cNvPr id="16" name="Picture 15" descr="Mcrit_vs_a_3Myrs (1).pdf"/>
-          <p:cNvPicPr>
-            <a:picLocks noChangeAspect="1"/>
-          </p:cNvPicPr>
-          <p:nvPr/>
-        </p:nvPicPr>
-        <p:blipFill>
-          <a:blip r:embed="rId19">
             <a:extLst>
               <a:ext uri="{28A0092B-C50C-407E-A947-70E740481C1C}">
                 <a14:useLocalDpi xmlns:a14="http://schemas.microsoft.com/office/drawing/2010/main" val="0"/>
@@ -9681,14 +9772,14 @@
       </p:pic>
       <p:pic>
         <p:nvPicPr>
-          <p:cNvPr id="17" name="Picture 16" descr="Lt_profiles_v2.pdf"/>
+          <p:cNvPr id="24" name="Picture 23" descr="Lt_profiles_v2.pdf"/>
           <p:cNvPicPr>
             <a:picLocks noChangeAspect="1"/>
           </p:cNvPicPr>
           <p:nvPr/>
         </p:nvPicPr>
         <p:blipFill>
-          <a:blip r:embed="rId20">
+          <a:blip r:embed="rId19">
             <a:extLst>
               <a:ext uri="{28A0092B-C50C-407E-A947-70E740481C1C}">
                 <a14:useLocalDpi xmlns:a14="http://schemas.microsoft.com/office/drawing/2010/main" val="0"/>
@@ -9703,6 +9794,190 @@
           <a:xfrm>
             <a:off x="2107406" y="30774481"/>
             <a:ext cx="11963400" cy="6441831"/>
+          </a:xfrm>
+          <a:prstGeom prst="rect">
+            <a:avLst/>
+          </a:prstGeom>
+          <a:ln w="63500">
+            <a:solidFill>
+              <a:srgbClr val="0000FF"/>
+            </a:solidFill>
+          </a:ln>
+        </p:spPr>
+      </p:pic>
+      <p:graphicFrame>
+        <p:nvGraphicFramePr>
+          <p:cNvPr id="25" name="Object 24"/>
+          <p:cNvGraphicFramePr>
+            <a:graphicFrameLocks noChangeAspect="1"/>
+          </p:cNvGraphicFramePr>
+          <p:nvPr>
+            <p:extLst>
+              <p:ext uri="{D42A27DB-BD31-4B8C-83A1-F6EECF244321}">
+                <p14:modId xmlns:p14="http://schemas.microsoft.com/office/powerpoint/2010/main" val="84651479"/>
+              </p:ext>
+            </p:extLst>
+          </p:nvPr>
+        </p:nvGraphicFramePr>
+        <p:xfrm>
+          <a:off x="15054263" y="21324888"/>
+          <a:ext cx="165100" cy="152400"/>
+        </p:xfrm>
+        <a:graphic>
+          <a:graphicData uri="http://schemas.openxmlformats.org/presentationml/2006/ole">
+            <mc:AlternateContent xmlns:mc="http://schemas.openxmlformats.org/markup-compatibility/2006">
+              <mc:Choice xmlns:v="urn:schemas-microsoft-com:vml" Requires="v">
+                <p:oleObj spid="_x0000_s1612" name="Equation" r:id="rId20" imgW="165100" imgH="152400" progId="Equation.3">
+                  <p:embed/>
+                </p:oleObj>
+              </mc:Choice>
+              <mc:Fallback>
+                <p:oleObj name="Equation" r:id="rId20" imgW="165100" imgH="152400" progId="Equation.3">
+                  <p:embed/>
+                  <p:pic>
+                    <p:nvPicPr>
+                      <p:cNvPr id="0" name=""/>
+                      <p:cNvPicPr/>
+                      <p:nvPr/>
+                    </p:nvPicPr>
+                    <p:blipFill>
+                      <a:blip r:embed="rId21"/>
+                      <a:stretch>
+                        <a:fillRect/>
+                      </a:stretch>
+                    </p:blipFill>
+                    <p:spPr>
+                      <a:xfrm>
+                        <a:off x="15054263" y="21324888"/>
+                        <a:ext cx="165100" cy="152400"/>
+                      </a:xfrm>
+                      <a:prstGeom prst="rect">
+                        <a:avLst/>
+                      </a:prstGeom>
+                    </p:spPr>
+                  </p:pic>
+                </p:oleObj>
+              </mc:Fallback>
+            </mc:AlternateContent>
+          </a:graphicData>
+        </a:graphic>
+      </p:graphicFrame>
+      <p:sp>
+        <p:nvSpPr>
+          <p:cNvPr id="27" name="Oval 26"/>
+          <p:cNvSpPr/>
+          <p:nvPr/>
+        </p:nvSpPr>
+        <p:spPr>
+          <a:xfrm flipH="1">
+            <a:off x="26588141" y="13310083"/>
+            <a:ext cx="34350" cy="37785"/>
+          </a:xfrm>
+          <a:prstGeom prst="ellipse">
+            <a:avLst/>
+          </a:prstGeom>
+          <a:solidFill>
+            <a:schemeClr val="bg1"/>
+          </a:solidFill>
+          <a:ln>
+            <a:solidFill>
+              <a:schemeClr val="bg1"/>
+            </a:solidFill>
+          </a:ln>
+        </p:spPr>
+        <p:style>
+          <a:lnRef idx="1">
+            <a:schemeClr val="accent1"/>
+          </a:lnRef>
+          <a:fillRef idx="3">
+            <a:schemeClr val="accent1"/>
+          </a:fillRef>
+          <a:effectRef idx="2">
+            <a:schemeClr val="accent1"/>
+          </a:effectRef>
+          <a:fontRef idx="minor">
+            <a:schemeClr val="lt1"/>
+          </a:fontRef>
+        </p:style>
+        <p:txBody>
+          <a:bodyPr rtlCol="0" anchor="ctr"/>
+          <a:lstStyle/>
+          <a:p>
+            <a:pPr algn="ctr"/>
+            <a:endParaRPr lang="en-US"/>
+          </a:p>
+        </p:txBody>
+      </p:sp>
+      <p:sp>
+        <p:nvSpPr>
+          <p:cNvPr id="88" name="Oval 87"/>
+          <p:cNvSpPr/>
+          <p:nvPr/>
+        </p:nvSpPr>
+        <p:spPr>
+          <a:xfrm flipH="1">
+            <a:off x="27826938" y="13317148"/>
+            <a:ext cx="34350" cy="34350"/>
+          </a:xfrm>
+          <a:prstGeom prst="ellipse">
+            <a:avLst/>
+          </a:prstGeom>
+          <a:solidFill>
+            <a:schemeClr val="bg1"/>
+          </a:solidFill>
+          <a:ln>
+            <a:solidFill>
+              <a:schemeClr val="bg1"/>
+            </a:solidFill>
+          </a:ln>
+        </p:spPr>
+        <p:style>
+          <a:lnRef idx="1">
+            <a:schemeClr val="accent1"/>
+          </a:lnRef>
+          <a:fillRef idx="3">
+            <a:schemeClr val="accent1"/>
+          </a:fillRef>
+          <a:effectRef idx="2">
+            <a:schemeClr val="accent1"/>
+          </a:effectRef>
+          <a:fontRef idx="minor">
+            <a:schemeClr val="lt1"/>
+          </a:fontRef>
+        </p:style>
+        <p:txBody>
+          <a:bodyPr rtlCol="0" anchor="ctr"/>
+          <a:lstStyle/>
+          <a:p>
+            <a:pPr algn="ctr"/>
+            <a:endParaRPr lang="en-US"/>
+          </a:p>
+        </p:txBody>
+      </p:sp>
+      <p:pic>
+        <p:nvPicPr>
+          <p:cNvPr id="6" name="Picture 5" descr="acc_rates_poster.pdf"/>
+          <p:cNvPicPr>
+            <a:picLocks noChangeAspect="1"/>
+          </p:cNvPicPr>
+          <p:nvPr/>
+        </p:nvPicPr>
+        <p:blipFill>
+          <a:blip r:embed="rId22">
+            <a:extLst>
+              <a:ext uri="{28A0092B-C50C-407E-A947-70E740481C1C}">
+                <a14:useLocalDpi xmlns:a14="http://schemas.microsoft.com/office/drawing/2010/main" val="0"/>
+              </a:ext>
+            </a:extLst>
+          </a:blip>
+          <a:stretch>
+            <a:fillRect/>
+          </a:stretch>
+        </p:blipFill>
+        <p:spPr>
+          <a:xfrm>
+            <a:off x="15518606" y="9286081"/>
+            <a:ext cx="7086600" cy="4724400"/>
           </a:xfrm>
           <a:prstGeom prst="rect">
             <a:avLst/>

--- a/slides/Aspen_poster_v3.pptx
+++ b/slides/Aspen_poster_v3.pptx
@@ -225,7 +225,7 @@
           <a:p>
             <a:fld id="{3359D107-6C47-E441-88A8-1AC6DD998D50}" type="datetimeFigureOut">
               <a:rPr lang="en-US" smtClean="0"/>
-              <a:t>2/7/13</a:t>
+              <a:t>5/23/13</a:t>
             </a:fld>
             <a:endParaRPr lang="en-US"/>
           </a:p>
@@ -1300,7 +1300,7 @@
               <a:pPr>
                 <a:defRPr/>
               </a:pPr>
-              <a:t>2/7/13</a:t>
+              <a:t>5/23/13</a:t>
             </a:fld>
             <a:endParaRPr lang="en-US"/>
           </a:p>
@@ -1492,7 +1492,7 @@
               <a:pPr>
                 <a:defRPr/>
               </a:pPr>
-              <a:t>2/7/13</a:t>
+              <a:t>5/23/13</a:t>
             </a:fld>
             <a:endParaRPr lang="en-US"/>
           </a:p>
@@ -1694,7 +1694,7 @@
               <a:pPr>
                 <a:defRPr/>
               </a:pPr>
-              <a:t>2/7/13</a:t>
+              <a:t>5/23/13</a:t>
             </a:fld>
             <a:endParaRPr lang="en-US"/>
           </a:p>
@@ -1886,7 +1886,7 @@
               <a:pPr>
                 <a:defRPr/>
               </a:pPr>
-              <a:t>2/7/13</a:t>
+              <a:t>5/23/13</a:t>
             </a:fld>
             <a:endParaRPr lang="en-US"/>
           </a:p>
@@ -2154,7 +2154,7 @@
               <a:pPr>
                 <a:defRPr/>
               </a:pPr>
-              <a:t>2/7/13</a:t>
+              <a:t>5/23/13</a:t>
             </a:fld>
             <a:endParaRPr lang="en-US"/>
           </a:p>
@@ -2464,7 +2464,7 @@
               <a:pPr>
                 <a:defRPr/>
               </a:pPr>
-              <a:t>2/7/13</a:t>
+              <a:t>5/23/13</a:t>
             </a:fld>
             <a:endParaRPr lang="en-US"/>
           </a:p>
@@ -2908,7 +2908,7 @@
               <a:pPr>
                 <a:defRPr/>
               </a:pPr>
-              <a:t>2/7/13</a:t>
+              <a:t>5/23/13</a:t>
             </a:fld>
             <a:endParaRPr lang="en-US"/>
           </a:p>
@@ -3048,7 +3048,7 @@
               <a:pPr>
                 <a:defRPr/>
               </a:pPr>
-              <a:t>2/7/13</a:t>
+              <a:t>5/23/13</a:t>
             </a:fld>
             <a:endParaRPr lang="en-US"/>
           </a:p>
@@ -3165,7 +3165,7 @@
               <a:pPr>
                 <a:defRPr/>
               </a:pPr>
-              <a:t>2/7/13</a:t>
+              <a:t>5/23/13</a:t>
             </a:fld>
             <a:endParaRPr lang="en-US"/>
           </a:p>
@@ -3464,7 +3464,7 @@
               <a:pPr>
                 <a:defRPr/>
               </a:pPr>
-              <a:t>2/7/13</a:t>
+              <a:t>5/23/13</a:t>
             </a:fld>
             <a:endParaRPr lang="en-US"/>
           </a:p>
@@ -3742,7 +3742,7 @@
               <a:pPr>
                 <a:defRPr/>
               </a:pPr>
-              <a:t>2/7/13</a:t>
+              <a:t>5/23/13</a:t>
             </a:fld>
             <a:endParaRPr lang="en-US"/>
           </a:p>
@@ -3998,7 +3998,7 @@
               <a:pPr>
                 <a:defRPr/>
               </a:pPr>
-              <a:t>2/7/13</a:t>
+              <a:t>5/23/13</a:t>
             </a:fld>
             <a:endParaRPr lang="en-US"/>
           </a:p>
@@ -6462,7 +6462,7 @@
               <a:graphicData uri="http://schemas.openxmlformats.org/presentationml/2006/ole">
                 <mc:AlternateContent xmlns:mc="http://schemas.openxmlformats.org/markup-compatibility/2006">
                   <mc:Choice xmlns:v="urn:schemas-microsoft-com:vml" Requires="v">
-                    <p:oleObj spid="_x0000_s1609" name="Equation" r:id="rId4" imgW="1879600" imgH="1282700" progId="Equation.3">
+                    <p:oleObj spid="_x0000_s1614" name="Equation" r:id="rId4" imgW="1879600" imgH="1282700" progId="Equation.3">
                       <p:embed/>
                     </p:oleObj>
                   </mc:Choice>
@@ -7267,7 +7267,7 @@
           <a:graphicData uri="http://schemas.openxmlformats.org/presentationml/2006/ole">
             <mc:AlternateContent xmlns:mc="http://schemas.openxmlformats.org/markup-compatibility/2006">
               <mc:Choice xmlns:v="urn:schemas-microsoft-com:vml" Requires="v">
-                <p:oleObj spid="_x0000_s1610" name="Equation" r:id="rId6" imgW="1485900" imgH="317500" progId="Equation.3">
+                <p:oleObj spid="_x0000_s1615" name="Equation" r:id="rId6" imgW="1485900" imgH="317500" progId="Equation.3">
                   <p:embed/>
                 </p:oleObj>
               </mc:Choice>
@@ -8668,7 +8668,7 @@
           <a:graphicData uri="http://schemas.openxmlformats.org/presentationml/2006/ole">
             <mc:AlternateContent xmlns:mc="http://schemas.openxmlformats.org/markup-compatibility/2006">
               <mc:Choice xmlns:v="urn:schemas-microsoft-com:vml" Requires="v">
-                <p:oleObj spid="_x0000_s1611" name="Equation" r:id="rId8" imgW="2222500" imgH="177800" progId="Equation.3">
+                <p:oleObj spid="_x0000_s1616" name="Equation" r:id="rId8" imgW="2222500" imgH="177800" progId="Equation.3">
                   <p:embed/>
                 </p:oleObj>
               </mc:Choice>
@@ -9827,7 +9827,7 @@
           <a:graphicData uri="http://schemas.openxmlformats.org/presentationml/2006/ole">
             <mc:AlternateContent xmlns:mc="http://schemas.openxmlformats.org/markup-compatibility/2006">
               <mc:Choice xmlns:v="urn:schemas-microsoft-com:vml" Requires="v">
-                <p:oleObj spid="_x0000_s1612" name="Equation" r:id="rId20" imgW="165100" imgH="152400" progId="Equation.3">
+                <p:oleObj spid="_x0000_s1617" name="Equation" r:id="rId20" imgW="165100" imgH="152400" progId="Equation.3">
                   <p:embed/>
                 </p:oleObj>
               </mc:Choice>
